--- a/Aicte project umesh.pptx
+++ b/Aicte project umesh.pptx
@@ -5896,32 +5896,223 @@
       </p:sp>
       <p:sp>
         <p:nvSpPr>
-          <p:cNvPr id="3" name="Content Placeholder 2">
+          <p:cNvPr id="6" name="TextBox 5">
             <a:extLst>
               <a:ext uri="{FF2B5EF4-FFF2-40B4-BE49-F238E27FC236}">
-                <a16:creationId xmlns:a16="http://schemas.microsoft.com/office/drawing/2014/main" id="{805D7125-AC62-752D-6E68-9EB88BCC631C}"/>
+                <a16:creationId xmlns:a16="http://schemas.microsoft.com/office/drawing/2014/main" id="{3731D0F4-1BF2-CFF2-ECCE-3C5E3133602B}"/>
               </a:ext>
             </a:extLst>
           </p:cNvPr>
-          <p:cNvSpPr>
-            <a:spLocks noGrp="1"/>
-          </p:cNvSpPr>
+          <p:cNvSpPr txBox="1"/>
+          <p:nvPr/>
+        </p:nvSpPr>
+        <p:spPr>
+          <a:xfrm>
+            <a:off x="1967540" y="1490312"/>
+            <a:ext cx="2132511" cy="646331"/>
+          </a:xfrm>
+          <a:prstGeom prst="rect">
+            <a:avLst/>
+          </a:prstGeom>
+          <a:noFill/>
+        </p:spPr>
+        <p:txBody>
+          <a:bodyPr wrap="square" rtlCol="0">
+            <a:spAutoFit/>
+          </a:bodyPr>
+          <a:lstStyle/>
+          <a:p>
+            <a:r>
+              <a:rPr lang="en-US" b="1" dirty="0">
+                <a:highlight>
+                  <a:srgbClr val="FFFF00"/>
+                </a:highlight>
+              </a:rPr>
+              <a:t>Source code</a:t>
+            </a:r>
+          </a:p>
+          <a:p>
+            <a:endParaRPr lang="en-IN" dirty="0"/>
+          </a:p>
+        </p:txBody>
+      </p:sp>
+      <p:pic>
+        <p:nvPicPr>
+          <p:cNvPr id="8" name="Picture 7">
+            <a:extLst>
+              <a:ext uri="{FF2B5EF4-FFF2-40B4-BE49-F238E27FC236}">
+                <a16:creationId xmlns:a16="http://schemas.microsoft.com/office/drawing/2014/main" id="{D0998618-2279-F293-1474-B6F749ECEC6C}"/>
+              </a:ext>
+            </a:extLst>
+          </p:cNvPr>
+          <p:cNvPicPr>
+            <a:picLocks noChangeAspect="1"/>
+          </p:cNvPicPr>
+          <p:nvPr/>
+        </p:nvPicPr>
+        <p:blipFill>
+          <a:blip r:embed="rId2"/>
+          <a:stretch>
+            <a:fillRect/>
+          </a:stretch>
+        </p:blipFill>
+        <p:spPr>
+          <a:xfrm>
+            <a:off x="5955953" y="1171964"/>
+            <a:ext cx="5333880" cy="1590897"/>
+          </a:xfrm>
+          <a:prstGeom prst="rect">
+            <a:avLst/>
+          </a:prstGeom>
+        </p:spPr>
+      </p:pic>
+      <p:pic>
+        <p:nvPicPr>
+          <p:cNvPr id="10" name="Picture 9">
+            <a:extLst>
+              <a:ext uri="{FF2B5EF4-FFF2-40B4-BE49-F238E27FC236}">
+                <a16:creationId xmlns:a16="http://schemas.microsoft.com/office/drawing/2014/main" id="{54A9F43E-2937-355F-5AC6-70D3480193B5}"/>
+              </a:ext>
+            </a:extLst>
+          </p:cNvPr>
+          <p:cNvPicPr>
+            <a:picLocks noChangeAspect="1"/>
+          </p:cNvPicPr>
+          <p:nvPr/>
+        </p:nvPicPr>
+        <p:blipFill>
+          <a:blip r:embed="rId3"/>
+          <a:stretch>
+            <a:fillRect/>
+          </a:stretch>
+        </p:blipFill>
+        <p:spPr>
+          <a:xfrm>
+            <a:off x="6489290" y="3599618"/>
+            <a:ext cx="4424516" cy="2955835"/>
+          </a:xfrm>
+          <a:prstGeom prst="rect">
+            <a:avLst/>
+          </a:prstGeom>
+        </p:spPr>
+      </p:pic>
+      <p:sp>
+        <p:nvSpPr>
+          <p:cNvPr id="11" name="TextBox 10">
+            <a:extLst>
+              <a:ext uri="{FF2B5EF4-FFF2-40B4-BE49-F238E27FC236}">
+                <a16:creationId xmlns:a16="http://schemas.microsoft.com/office/drawing/2014/main" id="{4D8AFAAA-17C3-BE8B-6011-D9C619C35FA7}"/>
+              </a:ext>
+            </a:extLst>
+          </p:cNvPr>
+          <p:cNvSpPr txBox="1"/>
+          <p:nvPr/>
+        </p:nvSpPr>
+        <p:spPr>
+          <a:xfrm>
+            <a:off x="7905135" y="782638"/>
+            <a:ext cx="2310581" cy="369332"/>
+          </a:xfrm>
+          <a:prstGeom prst="rect">
+            <a:avLst/>
+          </a:prstGeom>
+          <a:noFill/>
+        </p:spPr>
+        <p:txBody>
+          <a:bodyPr wrap="square" rtlCol="0">
+            <a:spAutoFit/>
+          </a:bodyPr>
+          <a:lstStyle/>
+          <a:p>
+            <a:r>
+              <a:rPr lang="en-US" b="1" dirty="0">
+                <a:highlight>
+                  <a:srgbClr val="FFFF00"/>
+                </a:highlight>
+              </a:rPr>
+              <a:t>Run environment </a:t>
+            </a:r>
+            <a:endParaRPr lang="en-IN" b="1" dirty="0">
+              <a:highlight>
+                <a:srgbClr val="FFFF00"/>
+              </a:highlight>
+            </a:endParaRPr>
+          </a:p>
+        </p:txBody>
+      </p:sp>
+      <p:sp>
+        <p:nvSpPr>
+          <p:cNvPr id="12" name="TextBox 11">
+            <a:extLst>
+              <a:ext uri="{FF2B5EF4-FFF2-40B4-BE49-F238E27FC236}">
+                <a16:creationId xmlns:a16="http://schemas.microsoft.com/office/drawing/2014/main" id="{A4780FF0-B001-4BE6-32AF-6CAC8796305E}"/>
+              </a:ext>
+            </a:extLst>
+          </p:cNvPr>
+          <p:cNvSpPr txBox="1"/>
+          <p:nvPr/>
+        </p:nvSpPr>
+        <p:spPr>
+          <a:xfrm>
+            <a:off x="8268929" y="3230286"/>
+            <a:ext cx="2281084" cy="369332"/>
+          </a:xfrm>
+          <a:prstGeom prst="rect">
+            <a:avLst/>
+          </a:prstGeom>
+          <a:noFill/>
+        </p:spPr>
+        <p:txBody>
+          <a:bodyPr wrap="square" rtlCol="0">
+            <a:spAutoFit/>
+          </a:bodyPr>
+          <a:lstStyle/>
+          <a:p>
+            <a:r>
+              <a:rPr lang="en-US" b="1" dirty="0">
+                <a:highlight>
+                  <a:srgbClr val="FFFF00"/>
+                </a:highlight>
+              </a:rPr>
+              <a:t>Output</a:t>
+            </a:r>
+            <a:endParaRPr lang="en-IN" b="1" dirty="0">
+              <a:highlight>
+                <a:srgbClr val="FFFF00"/>
+              </a:highlight>
+            </a:endParaRPr>
+          </a:p>
+        </p:txBody>
+      </p:sp>
+      <p:pic>
+        <p:nvPicPr>
+          <p:cNvPr id="20" name="Content Placeholder 19">
+            <a:extLst>
+              <a:ext uri="{FF2B5EF4-FFF2-40B4-BE49-F238E27FC236}">
+                <a16:creationId xmlns:a16="http://schemas.microsoft.com/office/drawing/2014/main" id="{C4B2F276-BB8B-B1AA-3AE5-56EF0CE4F411}"/>
+              </a:ext>
+            </a:extLst>
+          </p:cNvPr>
+          <p:cNvPicPr>
+            <a:picLocks noGrp="1" noChangeAspect="1"/>
+          </p:cNvPicPr>
           <p:nvPr>
             <p:ph idx="1"/>
           </p:nvPr>
-        </p:nvSpPr>
-        <p:spPr/>
-        <p:txBody>
-          <a:bodyPr/>
-          <a:lstStyle/>
-          <a:p>
-            <a:r>
-              <a:rPr lang="en-IN" dirty="0"/>
-              <a:t>Screenshots of the outcome (min 3)</a:t>
-            </a:r>
-          </a:p>
-        </p:txBody>
-      </p:sp>
+        </p:nvPicPr>
+        <p:blipFill>
+          <a:blip r:embed="rId4"/>
+          <a:stretch>
+            <a:fillRect/>
+          </a:stretch>
+        </p:blipFill>
+        <p:spPr>
+          <a:xfrm>
+            <a:off x="462116" y="1865938"/>
+            <a:ext cx="5172862" cy="4673600"/>
+          </a:xfrm>
+        </p:spPr>
+      </p:pic>
     </p:spTree>
     <p:extLst>
       <p:ext uri="{BB962C8B-B14F-4D97-AF65-F5344CB8AC3E}">
@@ -6689,6 +6880,15 @@
 </file>
 
 <file path=customXml/item1.xml><?xml version="1.0" encoding="utf-8"?>
+<?mso-contentType ?>
+<FormTemplates xmlns="http://schemas.microsoft.com/sharepoint/v3/contenttype/forms">
+  <Display>DocumentLibraryForm</Display>
+  <Edit>DocumentLibraryForm</Edit>
+  <New>DocumentLibraryForm</New>
+</FormTemplates>
+</file>
+
+<file path=customXml/item2.xml><?xml version="1.0" encoding="utf-8"?>
 <ct:contentTypeSchema xmlns:ct="http://schemas.microsoft.com/office/2006/metadata/contentType" xmlns:ma="http://schemas.microsoft.com/office/2006/metadata/properties/metaAttributes" ct:_="" ma:_="" ma:contentTypeName="Document" ma:contentTypeID="0x0101007F0268AC5E70984D8FE60B7154176407" ma:contentTypeVersion="15" ma:contentTypeDescription="Create a new document." ma:contentTypeScope="" ma:versionID="104e359103f0f57b1cf9676756e5b944">
   <xsd:schema xmlns:xsd="http://www.w3.org/2001/XMLSchema" xmlns:xs="http://www.w3.org/2001/XMLSchema" xmlns:p="http://schemas.microsoft.com/office/2006/metadata/properties" xmlns:ns3="b30265f8-c5e2-4918-b4a1-b977299ca3e2" xmlns:ns4="fadb41d3-f9cb-40fb-903c-8cacaba95bb5" targetNamespace="http://schemas.microsoft.com/office/2006/metadata/properties" ma:root="true" ma:fieldsID="5615b8f8aa772998bad551f24a33de0e" ns3:_="" ns4:_="">
     <xsd:import namespace="b30265f8-c5e2-4918-b4a1-b977299ca3e2"/>
@@ -6921,15 +7121,6 @@
 </ct:contentTypeSchema>
 </file>
 
-<file path=customXml/item2.xml><?xml version="1.0" encoding="utf-8"?>
-<?mso-contentType ?>
-<FormTemplates xmlns="http://schemas.microsoft.com/sharepoint/v3/contenttype/forms">
-  <Display>DocumentLibraryForm</Display>
-  <Edit>DocumentLibraryForm</Edit>
-  <New>DocumentLibraryForm</New>
-</FormTemplates>
-</file>
-
 <file path=customXml/item3.xml><?xml version="1.0" encoding="utf-8"?>
 <p:properties xmlns:p="http://schemas.microsoft.com/office/2006/metadata/properties" xmlns:xsi="http://www.w3.org/2001/XMLSchema-instance" xmlns:pc="http://schemas.microsoft.com/office/infopath/2007/PartnerControls">
   <documentManagement>
@@ -6939,6 +7130,14 @@
 </file>
 
 <file path=customXml/itemProps1.xml><?xml version="1.0" encoding="utf-8"?>
+<ds:datastoreItem xmlns:ds="http://schemas.openxmlformats.org/officeDocument/2006/customXml" ds:itemID="{927BD4C1-B6B1-4715-ABF9-E660A51A4EA0}">
+  <ds:schemaRefs>
+    <ds:schemaRef ds:uri="http://schemas.microsoft.com/sharepoint/v3/contenttype/forms"/>
+  </ds:schemaRefs>
+</ds:datastoreItem>
+</file>
+
+<file path=customXml/itemProps2.xml><?xml version="1.0" encoding="utf-8"?>
 <ds:datastoreItem xmlns:ds="http://schemas.openxmlformats.org/officeDocument/2006/customXml" ds:itemID="{9DD71778-17EE-4151-88AE-C8F4E8043BD9}">
   <ds:schemaRefs>
     <ds:schemaRef ds:uri="http://schemas.microsoft.com/office/2006/metadata/contentType"/>
@@ -6953,14 +7152,6 @@
     <ds:schemaRef ds:uri="http://purl.org/dc/elements/1.1/"/>
     <ds:schemaRef ds:uri="http://purl.org/dc/terms/"/>
     <ds:schemaRef ds:uri="http://schemas.microsoft.com/internal/obd"/>
-  </ds:schemaRefs>
-</ds:datastoreItem>
-</file>
-
-<file path=customXml/itemProps2.xml><?xml version="1.0" encoding="utf-8"?>
-<ds:datastoreItem xmlns:ds="http://schemas.openxmlformats.org/officeDocument/2006/customXml" ds:itemID="{927BD4C1-B6B1-4715-ABF9-E660A51A4EA0}">
-  <ds:schemaRefs>
-    <ds:schemaRef ds:uri="http://schemas.microsoft.com/sharepoint/v3/contenttype/forms"/>
   </ds:schemaRefs>
 </ds:datastoreItem>
 </file>
